--- a/Итоговый проект.pptx
+++ b/Итоговый проект.pptx
@@ -4004,13 +4004,8 @@
             <a:pPr algn="ctr"/>
             <a:r>
               <a:rPr lang="ru-RU" dirty="0"/>
-              <a:t>Зоны </a:t>
-            </a:r>
-            <a:r>
-              <a:rPr lang="ru-RU" dirty="0" err="1"/>
-              <a:t>ответсвенности</a:t>
-            </a:r>
-            <a:endParaRPr lang="ru-RU" dirty="0"/>
+              <a:t>Зоны ответственности</a:t>
+            </a:r>
           </a:p>
         </p:txBody>
       </p:sp>
